--- a/Dokumentation/Präsentation Kugellabyrinth.pptx
+++ b/Dokumentation/Präsentation Kugellabyrinth.pptx
@@ -6,21 +6,22 @@
     <p:sldMasterId id="2147483663" r:id="rId2"/>
   </p:sldMasterIdLst>
   <p:notesMasterIdLst>
-    <p:notesMasterId r:id="rId12"/>
+    <p:notesMasterId r:id="rId13"/>
   </p:notesMasterIdLst>
   <p:handoutMasterIdLst>
-    <p:handoutMasterId r:id="rId13"/>
+    <p:handoutMasterId r:id="rId14"/>
   </p:handoutMasterIdLst>
   <p:sldIdLst>
     <p:sldId id="267" r:id="rId3"/>
     <p:sldId id="272" r:id="rId4"/>
     <p:sldId id="273" r:id="rId5"/>
     <p:sldId id="274" r:id="rId6"/>
-    <p:sldId id="275" r:id="rId7"/>
-    <p:sldId id="276" r:id="rId8"/>
-    <p:sldId id="277" r:id="rId9"/>
-    <p:sldId id="278" r:id="rId10"/>
-    <p:sldId id="271" r:id="rId11"/>
+    <p:sldId id="279" r:id="rId7"/>
+    <p:sldId id="275" r:id="rId8"/>
+    <p:sldId id="276" r:id="rId9"/>
+    <p:sldId id="277" r:id="rId10"/>
+    <p:sldId id="278" r:id="rId11"/>
+    <p:sldId id="271" r:id="rId12"/>
   </p:sldIdLst>
   <p:sldSz cx="12192000" cy="6858000"/>
   <p:notesSz cx="6797675" cy="9928225"/>
@@ -221,7 +222,7 @@
             <a:fld id="{DE3D6E56-0DBF-46C2-A85E-AEAC4FFCBE16}" type="datetimeFigureOut">
               <a:rPr lang="de-DE" smtClean="0"/>
               <a:pPr/>
-              <a:t>15.12.2022</a:t>
+              <a:t>19.12.2022</a:t>
             </a:fld>
             <a:endParaRPr lang="de-DE"/>
           </a:p>
@@ -388,7 +389,7 @@
             <a:fld id="{7E8C253B-3D09-42D8-BAF4-B5DB6BBFFB4A}" type="datetimeFigureOut">
               <a:rPr lang="de-DE" smtClean="0"/>
               <a:pPr/>
-              <a:t>15.12.2022</a:t>
+              <a:t>19.12.2022</a:t>
             </a:fld>
             <a:endParaRPr lang="de-DE"/>
           </a:p>
@@ -935,7 +936,7 @@
             <a:fld id="{86485268-EB0C-4330-AAAF-F4FF17162BF7}" type="datetime1">
               <a:rPr lang="de-DE" smtClean="0"/>
               <a:pPr/>
-              <a:t>15.12.2022</a:t>
+              <a:t>19.12.2022</a:t>
             </a:fld>
             <a:endParaRPr lang="de-DE" dirty="0"/>
           </a:p>
@@ -1254,7 +1255,7 @@
             <a:fld id="{629C89BF-8901-4CDB-8B38-832202374CAB}" type="datetime1">
               <a:rPr lang="de-DE" smtClean="0"/>
               <a:pPr/>
-              <a:t>15.12.2022</a:t>
+              <a:t>19.12.2022</a:t>
             </a:fld>
             <a:endParaRPr lang="de-DE" dirty="0"/>
           </a:p>
@@ -1611,7 +1612,7 @@
             <a:fld id="{015A962B-B4A9-43A8-AB1C-A8B63385615D}" type="datetime1">
               <a:rPr lang="de-DE" smtClean="0"/>
               <a:pPr/>
-              <a:t>15.12.2022</a:t>
+              <a:t>19.12.2022</a:t>
             </a:fld>
             <a:endParaRPr lang="de-DE" dirty="0"/>
           </a:p>
@@ -2124,7 +2125,7 @@
             <a:fld id="{8E48CDC9-4318-4772-B60F-C4C2527FB258}" type="datetime1">
               <a:rPr lang="de-DE" smtClean="0"/>
               <a:pPr/>
-              <a:t>15.12.2022</a:t>
+              <a:t>19.12.2022</a:t>
             </a:fld>
             <a:endParaRPr lang="de-DE" dirty="0"/>
           </a:p>
@@ -2217,7 +2218,7 @@
             <a:fld id="{205782D8-BA6A-4319-A9E5-B8EE0582660C}" type="datetime1">
               <a:rPr lang="de-DE" smtClean="0"/>
               <a:pPr/>
-              <a:t>15.12.2022</a:t>
+              <a:t>19.12.2022</a:t>
             </a:fld>
             <a:endParaRPr lang="de-DE"/>
           </a:p>
@@ -2494,7 +2495,7 @@
             <a:fld id="{286A9E87-FE16-4A6D-9132-8FDB20A8DA0D}" type="datetime1">
               <a:rPr lang="de-DE" smtClean="0"/>
               <a:pPr/>
-              <a:t>15.12.2022</a:t>
+              <a:t>19.12.2022</a:t>
             </a:fld>
             <a:endParaRPr lang="de-DE" dirty="0"/>
           </a:p>
@@ -2733,7 +2734,7 @@
             <a:fld id="{D1EEAD80-8FC4-4B82-BDB2-BEA06A224ED2}" type="datetime1">
               <a:rPr lang="de-DE" smtClean="0"/>
               <a:pPr/>
-              <a:t>15.12.2022</a:t>
+              <a:t>19.12.2022</a:t>
             </a:fld>
             <a:endParaRPr lang="de-DE" dirty="0"/>
           </a:p>
@@ -2853,7 +2854,7 @@
             <a:fld id="{D57540D6-950B-4AB0-9D02-B46EDD02B89F}" type="datetime1">
               <a:rPr lang="de-DE" smtClean="0"/>
               <a:pPr/>
-              <a:t>15.12.2022</a:t>
+              <a:t>19.12.2022</a:t>
             </a:fld>
             <a:endParaRPr lang="de-DE" dirty="0"/>
           </a:p>
@@ -3065,7 +3066,7 @@
             <a:fld id="{C6A85847-9CF9-44A6-9157-59DB685385C3}" type="datetime1">
               <a:rPr lang="de-DE" smtClean="0"/>
               <a:pPr/>
-              <a:t>15.12.2022</a:t>
+              <a:t>19.12.2022</a:t>
             </a:fld>
             <a:endParaRPr lang="de-DE" dirty="0"/>
           </a:p>
@@ -3680,7 +3681,7 @@
             <a:fld id="{7B2BBC6D-92AF-4505-8904-A4FC390E0922}" type="datetime1">
               <a:rPr lang="de-DE" smtClean="0"/>
               <a:pPr/>
-              <a:t>15.12.2022</a:t>
+              <a:t>19.12.2022</a:t>
             </a:fld>
             <a:endParaRPr lang="de-DE" dirty="0"/>
           </a:p>
@@ -4209,7 +4210,7 @@
             </a:r>
             <a:fld id="{C8206118-EB7C-46B6-95BC-9BCEFB79170B}" type="datetime4">
               <a:rPr lang="de-DE" smtClean="0"/>
-              <a:t>15. Dezember 2022</a:t>
+              <a:t>19. Dezember 2022</a:t>
             </a:fld>
             <a:endParaRPr lang="de-DE" dirty="0"/>
           </a:p>
@@ -4250,6 +4251,55 @@
             <a:r>
               <a:rPr lang="de-DE" dirty="0"/>
               <a:t>Jannes Dirks, Jakob Kramer, Felix Merbt</a:t>
+            </a:r>
+          </a:p>
+        </p:txBody>
+      </p:sp>
+    </p:spTree>
+  </p:cSld>
+  <p:clrMapOvr>
+    <a:masterClrMapping/>
+  </p:clrMapOvr>
+</p:sld>
+</file>
+
+<file path=ppt/slides/slide10.xml><?xml version="1.0" encoding="utf-8"?>
+<p:sld xmlns:a="http://schemas.openxmlformats.org/drawingml/2006/main" xmlns:r="http://schemas.openxmlformats.org/officeDocument/2006/relationships" xmlns:p="http://schemas.openxmlformats.org/presentationml/2006/main">
+  <p:cSld>
+    <p:spTree>
+      <p:nvGrpSpPr>
+        <p:cNvPr id="1" name=""/>
+        <p:cNvGrpSpPr/>
+        <p:nvPr/>
+      </p:nvGrpSpPr>
+      <p:grpSpPr>
+        <a:xfrm>
+          <a:off x="0" y="0"/>
+          <a:ext cx="0" cy="0"/>
+          <a:chOff x="0" y="0"/>
+          <a:chExt cx="0" cy="0"/>
+        </a:xfrm>
+      </p:grpSpPr>
+      <p:sp>
+        <p:nvSpPr>
+          <p:cNvPr id="2" name="Titel 1"/>
+          <p:cNvSpPr>
+            <a:spLocks noGrp="1"/>
+          </p:cNvSpPr>
+          <p:nvPr>
+            <p:ph type="title"/>
+          </p:nvPr>
+        </p:nvSpPr>
+        <p:spPr/>
+        <p:txBody>
+          <a:bodyPr>
+            <a:normAutofit/>
+          </a:bodyPr>
+          <a:lstStyle/>
+          <a:p>
+            <a:r>
+              <a:rPr lang="de-DE" dirty="0"/>
+              <a:t>Vielen Dank für Ihre Aufmerksamkeit</a:t>
             </a:r>
           </a:p>
         </p:txBody>
@@ -4427,7 +4477,7 @@
             <a:fld id="{015A962B-B4A9-43A8-AB1C-A8B63385615D}" type="datetime1">
               <a:rPr lang="de-DE" smtClean="0"/>
               <a:pPr/>
-              <a:t>15.12.2022</a:t>
+              <a:t>19.12.2022</a:t>
             </a:fld>
             <a:endParaRPr lang="de-DE"/>
           </a:p>
@@ -4529,7 +4579,52 @@
           <a:bodyPr/>
           <a:lstStyle/>
           <a:p>
-            <a:endParaRPr lang="de-DE"/>
+            <a:r>
+              <a:rPr lang="de-DE" dirty="0"/>
+              <a:t>Kugellabyrinth-Spiel für Zwecke der Öffentlichkeitsarbeit</a:t>
+            </a:r>
+          </a:p>
+          <a:p>
+            <a:r>
+              <a:rPr lang="de-DE" dirty="0"/>
+              <a:t>Fernbedienung steuert Gerät mittels Lage- und Drehratensensor</a:t>
+            </a:r>
+          </a:p>
+          <a:p>
+            <a:r>
+              <a:rPr lang="de-DE" dirty="0"/>
+              <a:t>Betriebsspannung 12 V DC</a:t>
+            </a:r>
+          </a:p>
+          <a:p>
+            <a:r>
+              <a:rPr lang="de-DE" dirty="0"/>
+              <a:t>Material: Acrylglas-Laserzuschnitte</a:t>
+            </a:r>
+          </a:p>
+          <a:p>
+            <a:r>
+              <a:rPr lang="de-DE" dirty="0"/>
+              <a:t>Fertigung nur durch „Bordmittel“</a:t>
+            </a:r>
+          </a:p>
+          <a:p>
+            <a:r>
+              <a:rPr lang="de-DE" dirty="0"/>
+              <a:t>Baugröße: 200 x 200 x 100 mm</a:t>
+            </a:r>
+          </a:p>
+          <a:p>
+            <a:r>
+              <a:rPr lang="de-DE" dirty="0"/>
+              <a:t>Spielfläche des Labyrinths: 100 x 100 mm</a:t>
+            </a:r>
+          </a:p>
+          <a:p>
+            <a:r>
+              <a:rPr lang="de-DE" dirty="0"/>
+              <a:t>Abgabe: 20.12.2022</a:t>
+            </a:r>
           </a:p>
         </p:txBody>
       </p:sp>
@@ -4557,7 +4652,7 @@
             <a:fld id="{015A962B-B4A9-43A8-AB1C-A8B63385615D}" type="datetime1">
               <a:rPr lang="de-DE" smtClean="0"/>
               <a:pPr/>
-              <a:t>15.12.2022</a:t>
+              <a:t>19.12.2022</a:t>
             </a:fld>
             <a:endParaRPr lang="de-DE" dirty="0"/>
           </a:p>
@@ -4649,31 +4744,40 @@
           </a:p>
         </p:txBody>
       </p:sp>
-      <p:sp>
-        <p:nvSpPr>
-          <p:cNvPr id="3" name="Inhaltsplatzhalter 2">
+      <p:pic>
+        <p:nvPicPr>
+          <p:cNvPr id="5" name="Inhaltsplatzhalter 4">
             <a:extLst>
               <a:ext uri="{FF2B5EF4-FFF2-40B4-BE49-F238E27FC236}">
-                <a16:creationId xmlns:a16="http://schemas.microsoft.com/office/drawing/2014/main" id="{70B96BBF-4977-8AE6-4F49-C66221BEAD2A}"/>
+                <a16:creationId xmlns:a16="http://schemas.microsoft.com/office/drawing/2014/main" id="{662D13EA-91EF-BA68-1D0A-B1ED0221AE75}"/>
               </a:ext>
             </a:extLst>
           </p:cNvPr>
-          <p:cNvSpPr>
-            <a:spLocks noGrp="1"/>
-          </p:cNvSpPr>
+          <p:cNvPicPr>
+            <a:picLocks noGrp="1" noChangeAspect="1"/>
+          </p:cNvPicPr>
           <p:nvPr>
             <p:ph idx="1"/>
           </p:nvPr>
-        </p:nvSpPr>
-        <p:spPr/>
-        <p:txBody>
-          <a:bodyPr/>
-          <a:lstStyle/>
-          <a:p>
-            <a:endParaRPr lang="de-DE"/>
-          </a:p>
-        </p:txBody>
-      </p:sp>
+        </p:nvPicPr>
+        <p:blipFill>
+          <a:blip r:embed="rId2" cstate="print">
+            <a:extLst>
+              <a:ext uri="{28A0092B-C50C-407E-A947-70E740481C1C}">
+                <a14:useLocalDpi xmlns:a14="http://schemas.microsoft.com/office/drawing/2010/main" val="0"/>
+              </a:ext>
+            </a:extLst>
+          </a:blip>
+          <a:srcRect/>
+          <a:stretch/>
+        </p:blipFill>
+        <p:spPr>
+          <a:xfrm>
+            <a:off x="2660317" y="1268413"/>
+            <a:ext cx="6871366" cy="4857749"/>
+          </a:xfrm>
+        </p:spPr>
+      </p:pic>
     </p:spTree>
     <p:extLst>
       <p:ext uri="{BB962C8B-B14F-4D97-AF65-F5344CB8AC3E}">
@@ -4709,7 +4813,7 @@
           <p:cNvPr id="7" name="Titel 6">
             <a:extLst>
               <a:ext uri="{FF2B5EF4-FFF2-40B4-BE49-F238E27FC236}">
-                <a16:creationId xmlns:a16="http://schemas.microsoft.com/office/drawing/2014/main" id="{500E0B36-AD51-E14D-EC69-7B3F3F34B9AC}"/>
+                <a16:creationId xmlns:a16="http://schemas.microsoft.com/office/drawing/2014/main" id="{354CF43C-F19F-7162-6088-415AB2480D26}"/>
               </a:ext>
             </a:extLst>
           </p:cNvPr>
@@ -4727,7 +4831,7 @@
           <a:p>
             <a:r>
               <a:rPr lang="de-DE" dirty="0"/>
-              <a:t>Konstruktionsphase</a:t>
+              <a:t>Konzeptionierung</a:t>
             </a:r>
           </a:p>
         </p:txBody>
@@ -4737,7 +4841,7 @@
           <p:cNvPr id="8" name="Inhaltsplatzhalter 7">
             <a:extLst>
               <a:ext uri="{FF2B5EF4-FFF2-40B4-BE49-F238E27FC236}">
-                <a16:creationId xmlns:a16="http://schemas.microsoft.com/office/drawing/2014/main" id="{B1F5E1E8-B6F6-FFC5-D832-A33C47D62A6C}"/>
+                <a16:creationId xmlns:a16="http://schemas.microsoft.com/office/drawing/2014/main" id="{ADFC83DF-CE94-51BE-EDE6-E9B1EA33EA16}"/>
               </a:ext>
             </a:extLst>
           </p:cNvPr>
@@ -4753,7 +4857,46 @@
           <a:bodyPr/>
           <a:lstStyle/>
           <a:p>
-            <a:endParaRPr lang="de-DE"/>
+            <a:r>
+              <a:rPr lang="de-DE" dirty="0"/>
+              <a:t>Simples Design der Fernbedienung</a:t>
+            </a:r>
+          </a:p>
+          <a:p>
+            <a:r>
+              <a:rPr lang="de-DE" dirty="0"/>
+              <a:t>Servomotoren treiben Labyrinth direkt über Hebelarm an</a:t>
+            </a:r>
+          </a:p>
+          <a:p>
+            <a:r>
+              <a:rPr lang="de-DE" dirty="0"/>
+              <a:t>Steuerung mittels Arduino </a:t>
+            </a:r>
+            <a:r>
+              <a:rPr lang="de-DE" dirty="0" err="1"/>
+              <a:t>nano</a:t>
+            </a:r>
+            <a:endParaRPr lang="de-DE" dirty="0"/>
+          </a:p>
+          <a:p>
+            <a:r>
+              <a:rPr lang="de-DE" dirty="0"/>
+              <a:t>Achsen direkt in Material gelagert</a:t>
+            </a:r>
+          </a:p>
+          <a:p>
+            <a:r>
+              <a:rPr lang="de-DE" dirty="0"/>
+              <a:t>Verbindung zwischen </a:t>
+            </a:r>
+            <a:r>
+              <a:rPr lang="de-DE"/>
+              <a:t>Fernbedienung und Gerät mit USB-C</a:t>
+            </a:r>
+          </a:p>
+          <a:p>
+            <a:endParaRPr lang="de-DE" dirty="0"/>
           </a:p>
         </p:txBody>
       </p:sp>
@@ -4762,7 +4905,7 @@
           <p:cNvPr id="5" name="Datumsplatzhalter 4">
             <a:extLst>
               <a:ext uri="{FF2B5EF4-FFF2-40B4-BE49-F238E27FC236}">
-                <a16:creationId xmlns:a16="http://schemas.microsoft.com/office/drawing/2014/main" id="{4EC77603-C7E5-BDF4-8632-DA9BD653122B}"/>
+                <a16:creationId xmlns:a16="http://schemas.microsoft.com/office/drawing/2014/main" id="{E5F91CB0-93AF-D9C0-FA0A-72424B6C46F0}"/>
               </a:ext>
             </a:extLst>
           </p:cNvPr>
@@ -4781,7 +4924,7 @@
             <a:fld id="{015A962B-B4A9-43A8-AB1C-A8B63385615D}" type="datetime1">
               <a:rPr lang="de-DE" smtClean="0"/>
               <a:pPr/>
-              <a:t>15.12.2022</a:t>
+              <a:t>19.12.2022</a:t>
             </a:fld>
             <a:endParaRPr lang="de-DE" dirty="0"/>
           </a:p>
@@ -4792,7 +4935,7 @@
           <p:cNvPr id="6" name="Fußzeilenplatzhalter 5">
             <a:extLst>
               <a:ext uri="{FF2B5EF4-FFF2-40B4-BE49-F238E27FC236}">
-                <a16:creationId xmlns:a16="http://schemas.microsoft.com/office/drawing/2014/main" id="{73DBCF76-AD19-EFA3-2A1A-6C7FC935C660}"/>
+                <a16:creationId xmlns:a16="http://schemas.microsoft.com/office/drawing/2014/main" id="{22844CC8-AAAB-7FB2-3F3B-EF130B0FD1DA}"/>
               </a:ext>
             </a:extLst>
           </p:cNvPr>
@@ -4818,7 +4961,7 @@
     </p:spTree>
     <p:extLst>
       <p:ext uri="{BB962C8B-B14F-4D97-AF65-F5344CB8AC3E}">
-        <p14:creationId xmlns:p14="http://schemas.microsoft.com/office/powerpoint/2010/main" val="2359099859"/>
+        <p14:creationId xmlns:p14="http://schemas.microsoft.com/office/powerpoint/2010/main" val="731144012"/>
       </p:ext>
     </p:extLst>
   </p:cSld>
@@ -4847,10 +4990,10 @@
       </p:grpSpPr>
       <p:sp>
         <p:nvSpPr>
-          <p:cNvPr id="2" name="Titel 1">
+          <p:cNvPr id="7" name="Titel 6">
             <a:extLst>
               <a:ext uri="{FF2B5EF4-FFF2-40B4-BE49-F238E27FC236}">
-                <a16:creationId xmlns:a16="http://schemas.microsoft.com/office/drawing/2014/main" id="{4C243D7E-7CB1-9826-F9EB-58DEC38F5787}"/>
+                <a16:creationId xmlns:a16="http://schemas.microsoft.com/office/drawing/2014/main" id="{500E0B36-AD51-E14D-EC69-7B3F3F34B9AC}"/>
               </a:ext>
             </a:extLst>
           </p:cNvPr>
@@ -4868,17 +5011,17 @@
           <a:p>
             <a:r>
               <a:rPr lang="de-DE" dirty="0"/>
-              <a:t>Fertigung</a:t>
-            </a:r>
-          </a:p>
-        </p:txBody>
-      </p:sp>
-      <p:sp>
-        <p:nvSpPr>
-          <p:cNvPr id="3" name="Inhaltsplatzhalter 2">
+              <a:t>Konstruktionsphase</a:t>
+            </a:r>
+          </a:p>
+        </p:txBody>
+      </p:sp>
+      <p:sp>
+        <p:nvSpPr>
+          <p:cNvPr id="8" name="Inhaltsplatzhalter 7">
             <a:extLst>
               <a:ext uri="{FF2B5EF4-FFF2-40B4-BE49-F238E27FC236}">
-                <a16:creationId xmlns:a16="http://schemas.microsoft.com/office/drawing/2014/main" id="{BF1DA3C1-A798-CB58-A4D4-371F07E2B3FB}"/>
+                <a16:creationId xmlns:a16="http://schemas.microsoft.com/office/drawing/2014/main" id="{B1F5E1E8-B6F6-FFC5-D832-A33C47D62A6C}"/>
               </a:ext>
             </a:extLst>
           </p:cNvPr>
@@ -4898,10 +5041,68 @@
           </a:p>
         </p:txBody>
       </p:sp>
+      <p:sp>
+        <p:nvSpPr>
+          <p:cNvPr id="5" name="Datumsplatzhalter 4">
+            <a:extLst>
+              <a:ext uri="{FF2B5EF4-FFF2-40B4-BE49-F238E27FC236}">
+                <a16:creationId xmlns:a16="http://schemas.microsoft.com/office/drawing/2014/main" id="{4EC77603-C7E5-BDF4-8632-DA9BD653122B}"/>
+              </a:ext>
+            </a:extLst>
+          </p:cNvPr>
+          <p:cNvSpPr>
+            <a:spLocks noGrp="1"/>
+          </p:cNvSpPr>
+          <p:nvPr>
+            <p:ph type="dt" sz="half" idx="10"/>
+          </p:nvPr>
+        </p:nvSpPr>
+        <p:spPr/>
+        <p:txBody>
+          <a:bodyPr/>
+          <a:lstStyle/>
+          <a:p>
+            <a:fld id="{015A962B-B4A9-43A8-AB1C-A8B63385615D}" type="datetime1">
+              <a:rPr lang="de-DE" smtClean="0"/>
+              <a:pPr/>
+              <a:t>19.12.2022</a:t>
+            </a:fld>
+            <a:endParaRPr lang="de-DE" dirty="0"/>
+          </a:p>
+        </p:txBody>
+      </p:sp>
+      <p:sp>
+        <p:nvSpPr>
+          <p:cNvPr id="6" name="Fußzeilenplatzhalter 5">
+            <a:extLst>
+              <a:ext uri="{FF2B5EF4-FFF2-40B4-BE49-F238E27FC236}">
+                <a16:creationId xmlns:a16="http://schemas.microsoft.com/office/drawing/2014/main" id="{73DBCF76-AD19-EFA3-2A1A-6C7FC935C660}"/>
+              </a:ext>
+            </a:extLst>
+          </p:cNvPr>
+          <p:cNvSpPr>
+            <a:spLocks noGrp="1"/>
+          </p:cNvSpPr>
+          <p:nvPr>
+            <p:ph type="ftr" sz="quarter" idx="11"/>
+          </p:nvPr>
+        </p:nvSpPr>
+        <p:spPr/>
+        <p:txBody>
+          <a:bodyPr/>
+          <a:lstStyle/>
+          <a:p>
+            <a:r>
+              <a:rPr lang="de-DE"/>
+              <a:t>Titel</a:t>
+            </a:r>
+          </a:p>
+        </p:txBody>
+      </p:sp>
     </p:spTree>
     <p:extLst>
       <p:ext uri="{BB962C8B-B14F-4D97-AF65-F5344CB8AC3E}">
-        <p14:creationId xmlns:p14="http://schemas.microsoft.com/office/powerpoint/2010/main" val="3184539333"/>
+        <p14:creationId xmlns:p14="http://schemas.microsoft.com/office/powerpoint/2010/main" val="2359099859"/>
       </p:ext>
     </p:extLst>
   </p:cSld>
@@ -4933,7 +5134,7 @@
           <p:cNvPr id="2" name="Titel 1">
             <a:extLst>
               <a:ext uri="{FF2B5EF4-FFF2-40B4-BE49-F238E27FC236}">
-                <a16:creationId xmlns:a16="http://schemas.microsoft.com/office/drawing/2014/main" id="{49992DB1-5155-A474-0851-6DA62B41F86E}"/>
+                <a16:creationId xmlns:a16="http://schemas.microsoft.com/office/drawing/2014/main" id="{4C243D7E-7CB1-9826-F9EB-58DEC38F5787}"/>
               </a:ext>
             </a:extLst>
           </p:cNvPr>
@@ -4951,7 +5152,7 @@
           <a:p>
             <a:r>
               <a:rPr lang="de-DE" dirty="0"/>
-              <a:t>Programmierung</a:t>
+              <a:t>Fertigung</a:t>
             </a:r>
           </a:p>
         </p:txBody>
@@ -4961,7 +5162,7 @@
           <p:cNvPr id="3" name="Inhaltsplatzhalter 2">
             <a:extLst>
               <a:ext uri="{FF2B5EF4-FFF2-40B4-BE49-F238E27FC236}">
-                <a16:creationId xmlns:a16="http://schemas.microsoft.com/office/drawing/2014/main" id="{75167325-74D2-4952-75C7-DE969453EC16}"/>
+                <a16:creationId xmlns:a16="http://schemas.microsoft.com/office/drawing/2014/main" id="{BF1DA3C1-A798-CB58-A4D4-371F07E2B3FB}"/>
               </a:ext>
             </a:extLst>
           </p:cNvPr>
@@ -4984,7 +5185,7 @@
     </p:spTree>
     <p:extLst>
       <p:ext uri="{BB962C8B-B14F-4D97-AF65-F5344CB8AC3E}">
-        <p14:creationId xmlns:p14="http://schemas.microsoft.com/office/powerpoint/2010/main" val="2445360776"/>
+        <p14:creationId xmlns:p14="http://schemas.microsoft.com/office/powerpoint/2010/main" val="3184539333"/>
       </p:ext>
     </p:extLst>
   </p:cSld>
@@ -5016,7 +5217,7 @@
           <p:cNvPr id="2" name="Titel 1">
             <a:extLst>
               <a:ext uri="{FF2B5EF4-FFF2-40B4-BE49-F238E27FC236}">
-                <a16:creationId xmlns:a16="http://schemas.microsoft.com/office/drawing/2014/main" id="{DD21C654-CB37-EA99-E731-117A312603D6}"/>
+                <a16:creationId xmlns:a16="http://schemas.microsoft.com/office/drawing/2014/main" id="{49992DB1-5155-A474-0851-6DA62B41F86E}"/>
               </a:ext>
             </a:extLst>
           </p:cNvPr>
@@ -5034,11 +5235,7 @@
           <a:p>
             <a:r>
               <a:rPr lang="de-DE" dirty="0"/>
-              <a:t>Inbetriebnahme </a:t>
-            </a:r>
-            <a:r>
-              <a:rPr lang="de-DE"/>
-              <a:t>/ Testphase</a:t>
+              <a:t>Programmierung</a:t>
             </a:r>
           </a:p>
         </p:txBody>
@@ -5048,7 +5245,7 @@
           <p:cNvPr id="3" name="Inhaltsplatzhalter 2">
             <a:extLst>
               <a:ext uri="{FF2B5EF4-FFF2-40B4-BE49-F238E27FC236}">
-                <a16:creationId xmlns:a16="http://schemas.microsoft.com/office/drawing/2014/main" id="{CED402ED-DDF2-7648-2549-4C5058871F7B}"/>
+                <a16:creationId xmlns:a16="http://schemas.microsoft.com/office/drawing/2014/main" id="{75167325-74D2-4952-75C7-DE969453EC16}"/>
               </a:ext>
             </a:extLst>
           </p:cNvPr>
@@ -5071,7 +5268,7 @@
     </p:spTree>
     <p:extLst>
       <p:ext uri="{BB962C8B-B14F-4D97-AF65-F5344CB8AC3E}">
-        <p14:creationId xmlns:p14="http://schemas.microsoft.com/office/powerpoint/2010/main" val="2730268971"/>
+        <p14:creationId xmlns:p14="http://schemas.microsoft.com/office/powerpoint/2010/main" val="2445360776"/>
       </p:ext>
     </p:extLst>
   </p:cSld>
@@ -5100,7 +5297,13 @@
       </p:grpSpPr>
       <p:sp>
         <p:nvSpPr>
-          <p:cNvPr id="2" name="Titel 1"/>
+          <p:cNvPr id="2" name="Titel 1">
+            <a:extLst>
+              <a:ext uri="{FF2B5EF4-FFF2-40B4-BE49-F238E27FC236}">
+                <a16:creationId xmlns:a16="http://schemas.microsoft.com/office/drawing/2014/main" id="{DD21C654-CB37-EA99-E731-117A312603D6}"/>
+              </a:ext>
+            </a:extLst>
+          </p:cNvPr>
           <p:cNvSpPr>
             <a:spLocks noGrp="1"/>
           </p:cNvSpPr>
@@ -5110,19 +5313,51 @@
         </p:nvSpPr>
         <p:spPr/>
         <p:txBody>
-          <a:bodyPr>
-            <a:normAutofit/>
-          </a:bodyPr>
+          <a:bodyPr/>
           <a:lstStyle/>
           <a:p>
             <a:r>
               <a:rPr lang="de-DE" dirty="0"/>
-              <a:t>Vielen Dank für Ihre Aufmerksamkeit</a:t>
-            </a:r>
+              <a:t>Inbetriebnahme </a:t>
+            </a:r>
+            <a:r>
+              <a:rPr lang="de-DE"/>
+              <a:t>/ Testphase</a:t>
+            </a:r>
+          </a:p>
+        </p:txBody>
+      </p:sp>
+      <p:sp>
+        <p:nvSpPr>
+          <p:cNvPr id="3" name="Inhaltsplatzhalter 2">
+            <a:extLst>
+              <a:ext uri="{FF2B5EF4-FFF2-40B4-BE49-F238E27FC236}">
+                <a16:creationId xmlns:a16="http://schemas.microsoft.com/office/drawing/2014/main" id="{CED402ED-DDF2-7648-2549-4C5058871F7B}"/>
+              </a:ext>
+            </a:extLst>
+          </p:cNvPr>
+          <p:cNvSpPr>
+            <a:spLocks noGrp="1"/>
+          </p:cNvSpPr>
+          <p:nvPr>
+            <p:ph idx="1"/>
+          </p:nvPr>
+        </p:nvSpPr>
+        <p:spPr/>
+        <p:txBody>
+          <a:bodyPr/>
+          <a:lstStyle/>
+          <a:p>
+            <a:endParaRPr lang="de-DE"/>
           </a:p>
         </p:txBody>
       </p:sp>
     </p:spTree>
+    <p:extLst>
+      <p:ext uri="{BB962C8B-B14F-4D97-AF65-F5344CB8AC3E}">
+        <p14:creationId xmlns:p14="http://schemas.microsoft.com/office/powerpoint/2010/main" val="2730268971"/>
+      </p:ext>
+    </p:extLst>
   </p:cSld>
   <p:clrMapOvr>
     <a:masterClrMapping/>

--- a/Dokumentation/Präsentation Kugellabyrinth.pptx
+++ b/Dokumentation/Präsentation Kugellabyrinth.pptx
@@ -6,10 +6,10 @@
     <p:sldMasterId id="2147483663" r:id="rId2"/>
   </p:sldMasterIdLst>
   <p:notesMasterIdLst>
-    <p:notesMasterId r:id="rId13"/>
+    <p:notesMasterId r:id="rId14"/>
   </p:notesMasterIdLst>
   <p:handoutMasterIdLst>
-    <p:handoutMasterId r:id="rId14"/>
+    <p:handoutMasterId r:id="rId15"/>
   </p:handoutMasterIdLst>
   <p:sldIdLst>
     <p:sldId id="267" r:id="rId3"/>
@@ -21,7 +21,8 @@
     <p:sldId id="276" r:id="rId9"/>
     <p:sldId id="277" r:id="rId10"/>
     <p:sldId id="278" r:id="rId11"/>
-    <p:sldId id="271" r:id="rId12"/>
+    <p:sldId id="280" r:id="rId12"/>
+    <p:sldId id="271" r:id="rId13"/>
   </p:sldIdLst>
   <p:sldSz cx="12192000" cy="6858000"/>
   <p:notesSz cx="6797675" cy="9928225"/>
@@ -222,7 +223,7 @@
             <a:fld id="{DE3D6E56-0DBF-46C2-A85E-AEAC4FFCBE16}" type="datetimeFigureOut">
               <a:rPr lang="de-DE" smtClean="0"/>
               <a:pPr/>
-              <a:t>19.12.2022</a:t>
+              <a:t>20.12.22</a:t>
             </a:fld>
             <a:endParaRPr lang="de-DE"/>
           </a:p>
@@ -389,7 +390,7 @@
             <a:fld id="{7E8C253B-3D09-42D8-BAF4-B5DB6BBFFB4A}" type="datetimeFigureOut">
               <a:rPr lang="de-DE" smtClean="0"/>
               <a:pPr/>
-              <a:t>19.12.2022</a:t>
+              <a:t>20.12.22</a:t>
             </a:fld>
             <a:endParaRPr lang="de-DE"/>
           </a:p>
@@ -936,7 +937,7 @@
             <a:fld id="{86485268-EB0C-4330-AAAF-F4FF17162BF7}" type="datetime1">
               <a:rPr lang="de-DE" smtClean="0"/>
               <a:pPr/>
-              <a:t>19.12.2022</a:t>
+              <a:t>20.12.22</a:t>
             </a:fld>
             <a:endParaRPr lang="de-DE" dirty="0"/>
           </a:p>
@@ -1255,7 +1256,7 @@
             <a:fld id="{629C89BF-8901-4CDB-8B38-832202374CAB}" type="datetime1">
               <a:rPr lang="de-DE" smtClean="0"/>
               <a:pPr/>
-              <a:t>19.12.2022</a:t>
+              <a:t>20.12.22</a:t>
             </a:fld>
             <a:endParaRPr lang="de-DE" dirty="0"/>
           </a:p>
@@ -1612,7 +1613,7 @@
             <a:fld id="{015A962B-B4A9-43A8-AB1C-A8B63385615D}" type="datetime1">
               <a:rPr lang="de-DE" smtClean="0"/>
               <a:pPr/>
-              <a:t>19.12.2022</a:t>
+              <a:t>20.12.22</a:t>
             </a:fld>
             <a:endParaRPr lang="de-DE" dirty="0"/>
           </a:p>
@@ -2125,7 +2126,7 @@
             <a:fld id="{8E48CDC9-4318-4772-B60F-C4C2527FB258}" type="datetime1">
               <a:rPr lang="de-DE" smtClean="0"/>
               <a:pPr/>
-              <a:t>19.12.2022</a:t>
+              <a:t>20.12.22</a:t>
             </a:fld>
             <a:endParaRPr lang="de-DE" dirty="0"/>
           </a:p>
@@ -2218,7 +2219,7 @@
             <a:fld id="{205782D8-BA6A-4319-A9E5-B8EE0582660C}" type="datetime1">
               <a:rPr lang="de-DE" smtClean="0"/>
               <a:pPr/>
-              <a:t>19.12.2022</a:t>
+              <a:t>20.12.22</a:t>
             </a:fld>
             <a:endParaRPr lang="de-DE"/>
           </a:p>
@@ -2495,7 +2496,7 @@
             <a:fld id="{286A9E87-FE16-4A6D-9132-8FDB20A8DA0D}" type="datetime1">
               <a:rPr lang="de-DE" smtClean="0"/>
               <a:pPr/>
-              <a:t>19.12.2022</a:t>
+              <a:t>20.12.22</a:t>
             </a:fld>
             <a:endParaRPr lang="de-DE" dirty="0"/>
           </a:p>
@@ -2734,7 +2735,7 @@
             <a:fld id="{D1EEAD80-8FC4-4B82-BDB2-BEA06A224ED2}" type="datetime1">
               <a:rPr lang="de-DE" smtClean="0"/>
               <a:pPr/>
-              <a:t>19.12.2022</a:t>
+              <a:t>20.12.22</a:t>
             </a:fld>
             <a:endParaRPr lang="de-DE" dirty="0"/>
           </a:p>
@@ -2854,7 +2855,7 @@
             <a:fld id="{D57540D6-950B-4AB0-9D02-B46EDD02B89F}" type="datetime1">
               <a:rPr lang="de-DE" smtClean="0"/>
               <a:pPr/>
-              <a:t>19.12.2022</a:t>
+              <a:t>20.12.22</a:t>
             </a:fld>
             <a:endParaRPr lang="de-DE" dirty="0"/>
           </a:p>
@@ -3066,7 +3067,7 @@
             <a:fld id="{C6A85847-9CF9-44A6-9157-59DB685385C3}" type="datetime1">
               <a:rPr lang="de-DE" smtClean="0"/>
               <a:pPr/>
-              <a:t>19.12.2022</a:t>
+              <a:t>20.12.22</a:t>
             </a:fld>
             <a:endParaRPr lang="de-DE" dirty="0"/>
           </a:p>
@@ -3681,7 +3682,7 @@
             <a:fld id="{7B2BBC6D-92AF-4505-8904-A4FC390E0922}" type="datetime1">
               <a:rPr lang="de-DE" smtClean="0"/>
               <a:pPr/>
-              <a:t>19.12.2022</a:t>
+              <a:t>20.12.22</a:t>
             </a:fld>
             <a:endParaRPr lang="de-DE" dirty="0"/>
           </a:p>
@@ -4210,7 +4211,7 @@
             </a:r>
             <a:fld id="{C8206118-EB7C-46B6-95BC-9BCEFB79170B}" type="datetime4">
               <a:rPr lang="de-DE" smtClean="0"/>
-              <a:t>19. Dezember 2022</a:t>
+              <a:t>20. Dezember 2022</a:t>
             </a:fld>
             <a:endParaRPr lang="de-DE" dirty="0"/>
           </a:p>
@@ -4282,6 +4283,299 @@
       </p:grpSpPr>
       <p:sp>
         <p:nvSpPr>
+          <p:cNvPr id="2" name="Titel 1">
+            <a:extLst>
+              <a:ext uri="{FF2B5EF4-FFF2-40B4-BE49-F238E27FC236}">
+                <a16:creationId xmlns:a16="http://schemas.microsoft.com/office/drawing/2014/main" id="{EFDAAFB9-A186-2337-1B13-F941B4756F5A}"/>
+              </a:ext>
+            </a:extLst>
+          </p:cNvPr>
+          <p:cNvSpPr>
+            <a:spLocks noGrp="1"/>
+          </p:cNvSpPr>
+          <p:nvPr>
+            <p:ph type="title"/>
+          </p:nvPr>
+        </p:nvSpPr>
+        <p:spPr/>
+        <p:txBody>
+          <a:bodyPr/>
+          <a:lstStyle/>
+          <a:p>
+            <a:r>
+              <a:rPr lang="de-DE" dirty="0"/>
+              <a:t>Erprobung des Anwendungsfalles</a:t>
+            </a:r>
+          </a:p>
+        </p:txBody>
+      </p:sp>
+      <p:sp>
+        <p:nvSpPr>
+          <p:cNvPr id="5" name="Datumsplatzhalter 4">
+            <a:extLst>
+              <a:ext uri="{FF2B5EF4-FFF2-40B4-BE49-F238E27FC236}">
+                <a16:creationId xmlns:a16="http://schemas.microsoft.com/office/drawing/2014/main" id="{A2B95465-8526-3149-91E4-56FB27DC8136}"/>
+              </a:ext>
+            </a:extLst>
+          </p:cNvPr>
+          <p:cNvSpPr>
+            <a:spLocks noGrp="1"/>
+          </p:cNvSpPr>
+          <p:nvPr>
+            <p:ph type="dt" sz="half" idx="10"/>
+          </p:nvPr>
+        </p:nvSpPr>
+        <p:spPr/>
+        <p:txBody>
+          <a:bodyPr/>
+          <a:lstStyle/>
+          <a:p>
+            <a:fld id="{015A962B-B4A9-43A8-AB1C-A8B63385615D}" type="datetime1">
+              <a:rPr lang="de-DE" smtClean="0"/>
+              <a:pPr/>
+              <a:t>20.12.22</a:t>
+            </a:fld>
+            <a:endParaRPr lang="de-DE" dirty="0"/>
+          </a:p>
+        </p:txBody>
+      </p:sp>
+      <p:sp>
+        <p:nvSpPr>
+          <p:cNvPr id="6" name="Fußzeilenplatzhalter 5">
+            <a:extLst>
+              <a:ext uri="{FF2B5EF4-FFF2-40B4-BE49-F238E27FC236}">
+                <a16:creationId xmlns:a16="http://schemas.microsoft.com/office/drawing/2014/main" id="{B3842CE6-FBE4-3600-FF60-FCA2B9925D02}"/>
+              </a:ext>
+            </a:extLst>
+          </p:cNvPr>
+          <p:cNvSpPr>
+            <a:spLocks noGrp="1"/>
+          </p:cNvSpPr>
+          <p:nvPr>
+            <p:ph type="ftr" sz="quarter" idx="11"/>
+          </p:nvPr>
+        </p:nvSpPr>
+        <p:spPr/>
+        <p:txBody>
+          <a:bodyPr/>
+          <a:lstStyle/>
+          <a:p>
+            <a:r>
+              <a:rPr lang="de-DE"/>
+              <a:t>Titel</a:t>
+            </a:r>
+          </a:p>
+        </p:txBody>
+      </p:sp>
+      <p:pic>
+        <p:nvPicPr>
+          <p:cNvPr id="8" name="Grafik 7">
+            <a:extLst>
+              <a:ext uri="{FF2B5EF4-FFF2-40B4-BE49-F238E27FC236}">
+                <a16:creationId xmlns:a16="http://schemas.microsoft.com/office/drawing/2014/main" id="{916F2500-8CD7-D785-A3E3-EBAD53F453B2}"/>
+              </a:ext>
+            </a:extLst>
+          </p:cNvPr>
+          <p:cNvPicPr>
+            <a:picLocks noChangeAspect="1"/>
+          </p:cNvPicPr>
+          <p:nvPr/>
+        </p:nvPicPr>
+        <p:blipFill>
+          <a:blip r:embed="rId2">
+            <a:extLst>
+              <a:ext uri="{28A0092B-C50C-407E-A947-70E740481C1C}">
+                <a14:useLocalDpi xmlns:a14="http://schemas.microsoft.com/office/drawing/2010/main" val="0"/>
+              </a:ext>
+            </a:extLst>
+          </a:blip>
+          <a:stretch>
+            <a:fillRect/>
+          </a:stretch>
+        </p:blipFill>
+        <p:spPr>
+          <a:xfrm rot="5400000">
+            <a:off x="7500487" y="2534981"/>
+            <a:ext cx="3793065" cy="2844799"/>
+          </a:xfrm>
+          <a:prstGeom prst="rect">
+            <a:avLst/>
+          </a:prstGeom>
+        </p:spPr>
+      </p:pic>
+      <p:sp>
+        <p:nvSpPr>
+          <p:cNvPr id="9" name="Textfeld 8">
+            <a:extLst>
+              <a:ext uri="{FF2B5EF4-FFF2-40B4-BE49-F238E27FC236}">
+                <a16:creationId xmlns:a16="http://schemas.microsoft.com/office/drawing/2014/main" id="{3A1A407F-B49C-5E81-7350-F0673C4046AD}"/>
+              </a:ext>
+            </a:extLst>
+          </p:cNvPr>
+          <p:cNvSpPr txBox="1"/>
+          <p:nvPr/>
+        </p:nvSpPr>
+        <p:spPr>
+          <a:xfrm>
+            <a:off x="1055440" y="1916832"/>
+            <a:ext cx="5883085" cy="369332"/>
+          </a:xfrm>
+          <a:prstGeom prst="rect">
+            <a:avLst/>
+          </a:prstGeom>
+          <a:noFill/>
+        </p:spPr>
+        <p:txBody>
+          <a:bodyPr wrap="none" rtlCol="0">
+            <a:spAutoFit/>
+          </a:bodyPr>
+          <a:lstStyle/>
+          <a:p>
+            <a:r>
+              <a:rPr lang="de-DE" dirty="0"/>
+              <a:t>Testspiele von Probanden mit anschließender Kurzbewertung</a:t>
+            </a:r>
+          </a:p>
+        </p:txBody>
+      </p:sp>
+      <p:pic>
+        <p:nvPicPr>
+          <p:cNvPr id="11" name="Grafik 10">
+            <a:extLst>
+              <a:ext uri="{FF2B5EF4-FFF2-40B4-BE49-F238E27FC236}">
+                <a16:creationId xmlns:a16="http://schemas.microsoft.com/office/drawing/2014/main" id="{CE3D46FC-80BB-7448-7622-BC3D244B5AC6}"/>
+              </a:ext>
+            </a:extLst>
+          </p:cNvPr>
+          <p:cNvPicPr>
+            <a:picLocks noChangeAspect="1"/>
+          </p:cNvPicPr>
+          <p:nvPr/>
+        </p:nvPicPr>
+        <p:blipFill>
+          <a:blip r:embed="rId3">
+            <a:extLst>
+              <a:ext uri="{28A0092B-C50C-407E-A947-70E740481C1C}">
+                <a14:useLocalDpi xmlns:a14="http://schemas.microsoft.com/office/drawing/2010/main" val="0"/>
+              </a:ext>
+            </a:extLst>
+          </a:blip>
+          <a:stretch>
+            <a:fillRect/>
+          </a:stretch>
+        </p:blipFill>
+        <p:spPr>
+          <a:xfrm>
+            <a:off x="318072" y="2941964"/>
+            <a:ext cx="7253635" cy="2503260"/>
+          </a:xfrm>
+          <a:prstGeom prst="rect">
+            <a:avLst/>
+          </a:prstGeom>
+        </p:spPr>
+      </p:pic>
+      <p:sp>
+        <p:nvSpPr>
+          <p:cNvPr id="12" name="Textfeld 11">
+            <a:extLst>
+              <a:ext uri="{FF2B5EF4-FFF2-40B4-BE49-F238E27FC236}">
+                <a16:creationId xmlns:a16="http://schemas.microsoft.com/office/drawing/2014/main" id="{D3FEA5DE-9B6A-95B3-8CE5-9ABBC4ADF1D0}"/>
+              </a:ext>
+            </a:extLst>
+          </p:cNvPr>
+          <p:cNvSpPr txBox="1"/>
+          <p:nvPr/>
+        </p:nvSpPr>
+        <p:spPr>
+          <a:xfrm>
+            <a:off x="408314" y="5373216"/>
+            <a:ext cx="1017843" cy="369332"/>
+          </a:xfrm>
+          <a:prstGeom prst="rect">
+            <a:avLst/>
+          </a:prstGeom>
+          <a:noFill/>
+        </p:spPr>
+        <p:txBody>
+          <a:bodyPr wrap="none" rtlCol="0">
+            <a:spAutoFit/>
+          </a:bodyPr>
+          <a:lstStyle/>
+          <a:p>
+            <a:r>
+              <a:rPr lang="de-DE" dirty="0"/>
+              <a:t>Tabelle 1</a:t>
+            </a:r>
+          </a:p>
+        </p:txBody>
+      </p:sp>
+      <p:sp>
+        <p:nvSpPr>
+          <p:cNvPr id="14" name="Textfeld 13">
+            <a:extLst>
+              <a:ext uri="{FF2B5EF4-FFF2-40B4-BE49-F238E27FC236}">
+                <a16:creationId xmlns:a16="http://schemas.microsoft.com/office/drawing/2014/main" id="{A4B546C6-E877-E394-EC78-08E783D5E7D6}"/>
+              </a:ext>
+            </a:extLst>
+          </p:cNvPr>
+          <p:cNvSpPr txBox="1"/>
+          <p:nvPr/>
+        </p:nvSpPr>
+        <p:spPr>
+          <a:xfrm>
+            <a:off x="7896200" y="5991580"/>
+            <a:ext cx="6114552" cy="369332"/>
+          </a:xfrm>
+          <a:prstGeom prst="rect">
+            <a:avLst/>
+          </a:prstGeom>
+          <a:noFill/>
+        </p:spPr>
+        <p:txBody>
+          <a:bodyPr wrap="square">
+            <a:spAutoFit/>
+          </a:bodyPr>
+          <a:lstStyle/>
+          <a:p>
+            <a:r>
+              <a:rPr lang="de-DE" dirty="0"/>
+              <a:t>Bild 4</a:t>
+            </a:r>
+          </a:p>
+        </p:txBody>
+      </p:sp>
+    </p:spTree>
+    <p:extLst>
+      <p:ext uri="{BB962C8B-B14F-4D97-AF65-F5344CB8AC3E}">
+        <p14:creationId xmlns:p14="http://schemas.microsoft.com/office/powerpoint/2010/main" val="1961055814"/>
+      </p:ext>
+    </p:extLst>
+  </p:cSld>
+  <p:clrMapOvr>
+    <a:masterClrMapping/>
+  </p:clrMapOvr>
+</p:sld>
+</file>
+
+<file path=ppt/slides/slide11.xml><?xml version="1.0" encoding="utf-8"?>
+<p:sld xmlns:a="http://schemas.openxmlformats.org/drawingml/2006/main" xmlns:r="http://schemas.openxmlformats.org/officeDocument/2006/relationships" xmlns:p="http://schemas.openxmlformats.org/presentationml/2006/main">
+  <p:cSld>
+    <p:spTree>
+      <p:nvGrpSpPr>
+        <p:cNvPr id="1" name=""/>
+        <p:cNvGrpSpPr/>
+        <p:nvPr/>
+      </p:nvGrpSpPr>
+      <p:grpSpPr>
+        <a:xfrm>
+          <a:off x="0" y="0"/>
+          <a:ext cx="0" cy="0"/>
+          <a:chOff x="0" y="0"/>
+          <a:chExt cx="0" cy="0"/>
+        </a:xfrm>
+      </p:grpSpPr>
+      <p:sp>
+        <p:nvSpPr>
           <p:cNvPr id="2" name="Titel 1"/>
           <p:cNvSpPr>
             <a:spLocks noGrp="1"/>
@@ -4477,7 +4771,7 @@
             <a:fld id="{015A962B-B4A9-43A8-AB1C-A8B63385615D}" type="datetime1">
               <a:rPr lang="de-DE" smtClean="0"/>
               <a:pPr/>
-              <a:t>19.12.2022</a:t>
+              <a:t>20.12.22</a:t>
             </a:fld>
             <a:endParaRPr lang="de-DE"/>
           </a:p>
@@ -4652,7 +4946,7 @@
             <a:fld id="{015A962B-B4A9-43A8-AB1C-A8B63385615D}" type="datetime1">
               <a:rPr lang="de-DE" smtClean="0"/>
               <a:pPr/>
-              <a:t>19.12.2022</a:t>
+              <a:t>20.12.22</a:t>
             </a:fld>
             <a:endParaRPr lang="de-DE" dirty="0"/>
           </a:p>
@@ -4778,6 +5072,41 @@
           </a:xfrm>
         </p:spPr>
       </p:pic>
+      <p:sp>
+        <p:nvSpPr>
+          <p:cNvPr id="4" name="Textfeld 3">
+            <a:extLst>
+              <a:ext uri="{FF2B5EF4-FFF2-40B4-BE49-F238E27FC236}">
+                <a16:creationId xmlns:a16="http://schemas.microsoft.com/office/drawing/2014/main" id="{56E6D00B-8B6B-F13C-D4C0-E2EF51CFBD82}"/>
+              </a:ext>
+            </a:extLst>
+          </p:cNvPr>
+          <p:cNvSpPr txBox="1"/>
+          <p:nvPr/>
+        </p:nvSpPr>
+        <p:spPr>
+          <a:xfrm>
+            <a:off x="3038724" y="5877272"/>
+            <a:ext cx="6114552" cy="369332"/>
+          </a:xfrm>
+          <a:prstGeom prst="rect">
+            <a:avLst/>
+          </a:prstGeom>
+          <a:noFill/>
+        </p:spPr>
+        <p:txBody>
+          <a:bodyPr wrap="square">
+            <a:spAutoFit/>
+          </a:bodyPr>
+          <a:lstStyle/>
+          <a:p>
+            <a:r>
+              <a:rPr lang="de-DE" dirty="0"/>
+              <a:t>Bild 1</a:t>
+            </a:r>
+          </a:p>
+        </p:txBody>
+      </p:sp>
     </p:spTree>
     <p:extLst>
       <p:ext uri="{BB962C8B-B14F-4D97-AF65-F5344CB8AC3E}">
@@ -4924,36 +5253,78 @@
             <a:fld id="{015A962B-B4A9-43A8-AB1C-A8B63385615D}" type="datetime1">
               <a:rPr lang="de-DE" smtClean="0"/>
               <a:pPr/>
-              <a:t>19.12.2022</a:t>
+              <a:t>20.12.22</a:t>
             </a:fld>
             <a:endParaRPr lang="de-DE" dirty="0"/>
           </a:p>
         </p:txBody>
       </p:sp>
-      <p:sp>
-        <p:nvSpPr>
-          <p:cNvPr id="6" name="Fußzeilenplatzhalter 5">
+      <p:pic>
+        <p:nvPicPr>
+          <p:cNvPr id="3" name="Grafik 2">
             <a:extLst>
               <a:ext uri="{FF2B5EF4-FFF2-40B4-BE49-F238E27FC236}">
-                <a16:creationId xmlns:a16="http://schemas.microsoft.com/office/drawing/2014/main" id="{22844CC8-AAAB-7FB2-3F3B-EF130B0FD1DA}"/>
+                <a16:creationId xmlns:a16="http://schemas.microsoft.com/office/drawing/2014/main" id="{F7943874-E240-745F-5B33-804757B3E0E4}"/>
               </a:ext>
             </a:extLst>
           </p:cNvPr>
-          <p:cNvSpPr>
-            <a:spLocks noGrp="1"/>
-          </p:cNvSpPr>
-          <p:nvPr>
-            <p:ph type="ftr" sz="quarter" idx="11"/>
-          </p:nvPr>
-        </p:nvSpPr>
-        <p:spPr/>
-        <p:txBody>
-          <a:bodyPr/>
+          <p:cNvPicPr>
+            <a:picLocks noChangeAspect="1"/>
+          </p:cNvPicPr>
+          <p:nvPr/>
+        </p:nvPicPr>
+        <p:blipFill rotWithShape="1">
+          <a:blip r:embed="rId2">
+            <a:extLst>
+              <a:ext uri="{28A0092B-C50C-407E-A947-70E740481C1C}">
+                <a14:useLocalDpi xmlns:a14="http://schemas.microsoft.com/office/drawing/2010/main" val="0"/>
+              </a:ext>
+            </a:extLst>
+          </a:blip>
+          <a:srcRect b="10206"/>
+          <a:stretch/>
+        </p:blipFill>
+        <p:spPr>
+          <a:xfrm>
+            <a:off x="2175616" y="3501008"/>
+            <a:ext cx="7772400" cy="2088232"/>
+          </a:xfrm>
+          <a:prstGeom prst="rect">
+            <a:avLst/>
+          </a:prstGeom>
+        </p:spPr>
+      </p:pic>
+      <p:sp>
+        <p:nvSpPr>
+          <p:cNvPr id="4" name="Textfeld 3">
+            <a:extLst>
+              <a:ext uri="{FF2B5EF4-FFF2-40B4-BE49-F238E27FC236}">
+                <a16:creationId xmlns:a16="http://schemas.microsoft.com/office/drawing/2014/main" id="{DF463A84-4C60-08B7-2440-EE9FD6F9BE88}"/>
+              </a:ext>
+            </a:extLst>
+          </p:cNvPr>
+          <p:cNvSpPr txBox="1"/>
+          <p:nvPr/>
+        </p:nvSpPr>
+        <p:spPr>
+          <a:xfrm>
+            <a:off x="2567608" y="5661248"/>
+            <a:ext cx="707245" cy="369332"/>
+          </a:xfrm>
+          <a:prstGeom prst="rect">
+            <a:avLst/>
+          </a:prstGeom>
+          <a:noFill/>
+        </p:spPr>
+        <p:txBody>
+          <a:bodyPr wrap="none" rtlCol="0">
+            <a:spAutoFit/>
+          </a:bodyPr>
           <a:lstStyle/>
           <a:p>
             <a:r>
-              <a:rPr lang="de-DE"/>
-              <a:t>Titel</a:t>
+              <a:rPr lang="de-DE" dirty="0"/>
+              <a:t>Bild 2</a:t>
             </a:r>
           </a:p>
         </p:txBody>
@@ -5037,7 +5408,69 @@
           <a:bodyPr/>
           <a:lstStyle/>
           <a:p>
-            <a:endParaRPr lang="de-DE"/>
+            <a:r>
+              <a:rPr lang="de-DE" dirty="0"/>
+              <a:t>Festlegung auf die jeweiligen Teillösungen </a:t>
+            </a:r>
+          </a:p>
+          <a:p>
+            <a:r>
+              <a:rPr lang="de-DE" dirty="0"/>
+              <a:t>Ausarbeitung der Konzepte </a:t>
+            </a:r>
+          </a:p>
+          <a:p>
+            <a:r>
+              <a:rPr lang="de-DE" dirty="0"/>
+              <a:t>Grobes Skizzieren der Gesamtbaugruppe im Team</a:t>
+            </a:r>
+          </a:p>
+          <a:p>
+            <a:r>
+              <a:rPr lang="de-DE" dirty="0"/>
+              <a:t>Aufteilen der Baugruppen </a:t>
+            </a:r>
+          </a:p>
+          <a:p>
+            <a:r>
+              <a:rPr lang="de-DE" dirty="0"/>
+              <a:t>Konstruieren der Baugruppen </a:t>
+            </a:r>
+          </a:p>
+          <a:p>
+            <a:r>
+              <a:rPr lang="de-DE" dirty="0"/>
+              <a:t>Zusammenführen zur Gesamtbaugruppe </a:t>
+            </a:r>
+          </a:p>
+          <a:p>
+            <a:r>
+              <a:rPr lang="de-DE" dirty="0"/>
+              <a:t>Anpassen von Fehlkonstruktionen</a:t>
+            </a:r>
+          </a:p>
+          <a:p>
+            <a:r>
+              <a:rPr lang="de-DE" dirty="0"/>
+              <a:t>Verbesserung und Weiterentwicklung nach den </a:t>
+            </a:r>
+            <a:r>
+              <a:rPr lang="de-DE" dirty="0" err="1"/>
+              <a:t>Testaen</a:t>
+            </a:r>
+            <a:r>
+              <a:rPr lang="de-DE" dirty="0"/>
+              <a:t>  </a:t>
+            </a:r>
+          </a:p>
+          <a:p>
+            <a:endParaRPr lang="de-DE" dirty="0"/>
+          </a:p>
+          <a:p>
+            <a:endParaRPr lang="de-DE" dirty="0"/>
+          </a:p>
+          <a:p>
+            <a:endParaRPr lang="de-DE" dirty="0"/>
           </a:p>
         </p:txBody>
       </p:sp>
@@ -5065,7 +5498,7 @@
             <a:fld id="{015A962B-B4A9-43A8-AB1C-A8B63385615D}" type="datetime1">
               <a:rPr lang="de-DE" smtClean="0"/>
               <a:pPr/>
-              <a:t>19.12.2022</a:t>
+              <a:t>20.12.22</a:t>
             </a:fld>
             <a:endParaRPr lang="de-DE" dirty="0"/>
           </a:p>
@@ -5178,7 +5611,175 @@
           <a:bodyPr/>
           <a:lstStyle/>
           <a:p>
-            <a:endParaRPr lang="de-DE"/>
+            <a:r>
+              <a:rPr lang="de-DE" dirty="0"/>
+              <a:t>Fertigung Ausschließlich in der Hochschule</a:t>
+            </a:r>
+          </a:p>
+          <a:p>
+            <a:endParaRPr lang="de-DE" dirty="0"/>
+          </a:p>
+          <a:p>
+            <a:pPr marL="457200" indent="-457200">
+              <a:buFont typeface="+mj-lt"/>
+              <a:buAutoNum type="arabicPeriod"/>
+            </a:pPr>
+            <a:r>
+              <a:rPr lang="de-DE" dirty="0"/>
+              <a:t>Raum H413b </a:t>
+            </a:r>
+          </a:p>
+          <a:p>
+            <a:pPr marL="457200" indent="-457200">
+              <a:buFont typeface="+mj-lt"/>
+              <a:buAutoNum type="arabicPeriod"/>
+            </a:pPr>
+            <a:r>
+              <a:rPr lang="de-DE" dirty="0"/>
+              <a:t>Werkstatt ME 05</a:t>
+            </a:r>
+          </a:p>
+          <a:p>
+            <a:pPr marL="457200" indent="-457200">
+              <a:buFont typeface="+mj-lt"/>
+              <a:buAutoNum type="arabicPeriod"/>
+            </a:pPr>
+            <a:r>
+              <a:rPr lang="de-DE" dirty="0"/>
+              <a:t>Lasercutter Me 09</a:t>
+            </a:r>
+          </a:p>
+          <a:p>
+            <a:pPr marL="457200" indent="-457200">
+              <a:buFont typeface="+mj-lt"/>
+              <a:buAutoNum type="arabicPeriod"/>
+            </a:pPr>
+            <a:endParaRPr lang="de-DE" dirty="0"/>
+          </a:p>
+          <a:p>
+            <a:pPr marL="0" indent="0">
+              <a:buNone/>
+            </a:pPr>
+            <a:endParaRPr lang="de-DE" dirty="0"/>
+          </a:p>
+          <a:p>
+            <a:r>
+              <a:rPr lang="de-DE" dirty="0"/>
+              <a:t>Besonderheit:  Anpassung der Klemmung für die Baugruppe „Labyrinth“</a:t>
+            </a:r>
+          </a:p>
+          <a:p>
+            <a:pPr marL="0" indent="0">
+              <a:buNone/>
+            </a:pPr>
+            <a:r>
+              <a:rPr lang="de-DE" dirty="0"/>
+              <a:t>			</a:t>
+            </a:r>
+          </a:p>
+          <a:p>
+            <a:pPr marL="0" indent="0">
+              <a:buNone/>
+            </a:pPr>
+            <a:endParaRPr lang="de-DE" dirty="0"/>
+          </a:p>
+          <a:p>
+            <a:pPr marL="0" indent="0">
+              <a:buNone/>
+            </a:pPr>
+            <a:endParaRPr lang="de-DE" dirty="0"/>
+          </a:p>
+          <a:p>
+            <a:pPr marL="0" indent="0">
+              <a:buNone/>
+            </a:pPr>
+            <a:endParaRPr lang="de-DE" dirty="0"/>
+          </a:p>
+          <a:p>
+            <a:pPr marL="0" indent="0">
+              <a:buNone/>
+            </a:pPr>
+            <a:endParaRPr lang="de-DE" dirty="0"/>
+          </a:p>
+          <a:p>
+            <a:endParaRPr lang="de-DE" dirty="0"/>
+          </a:p>
+          <a:p>
+            <a:endParaRPr lang="de-DE" dirty="0"/>
+          </a:p>
+          <a:p>
+            <a:endParaRPr lang="de-DE" dirty="0"/>
+          </a:p>
+        </p:txBody>
+      </p:sp>
+      <p:pic>
+        <p:nvPicPr>
+          <p:cNvPr id="5" name="Grafik 4">
+            <a:extLst>
+              <a:ext uri="{FF2B5EF4-FFF2-40B4-BE49-F238E27FC236}">
+                <a16:creationId xmlns:a16="http://schemas.microsoft.com/office/drawing/2014/main" id="{307D1FDD-EDD5-1D5A-3182-A3673008CF1D}"/>
+              </a:ext>
+            </a:extLst>
+          </p:cNvPr>
+          <p:cNvPicPr>
+            <a:picLocks noChangeAspect="1"/>
+          </p:cNvPicPr>
+          <p:nvPr/>
+        </p:nvPicPr>
+        <p:blipFill>
+          <a:blip r:embed="rId2">
+            <a:extLst>
+              <a:ext uri="{28A0092B-C50C-407E-A947-70E740481C1C}">
+                <a14:useLocalDpi xmlns:a14="http://schemas.microsoft.com/office/drawing/2010/main" val="0"/>
+              </a:ext>
+            </a:extLst>
+          </a:blip>
+          <a:stretch>
+            <a:fillRect/>
+          </a:stretch>
+        </p:blipFill>
+        <p:spPr>
+          <a:xfrm>
+            <a:off x="7104112" y="4222718"/>
+            <a:ext cx="4344814" cy="2313601"/>
+          </a:xfrm>
+          <a:prstGeom prst="rect">
+            <a:avLst/>
+          </a:prstGeom>
+        </p:spPr>
+      </p:pic>
+      <p:sp>
+        <p:nvSpPr>
+          <p:cNvPr id="7" name="Textfeld 6">
+            <a:extLst>
+              <a:ext uri="{FF2B5EF4-FFF2-40B4-BE49-F238E27FC236}">
+                <a16:creationId xmlns:a16="http://schemas.microsoft.com/office/drawing/2014/main" id="{AED8EEF7-2748-77A7-BCF6-2071F5A36BE5}"/>
+              </a:ext>
+            </a:extLst>
+          </p:cNvPr>
+          <p:cNvSpPr txBox="1"/>
+          <p:nvPr/>
+        </p:nvSpPr>
+        <p:spPr>
+          <a:xfrm>
+            <a:off x="7104112" y="6166987"/>
+            <a:ext cx="6114552" cy="369332"/>
+          </a:xfrm>
+          <a:prstGeom prst="rect">
+            <a:avLst/>
+          </a:prstGeom>
+          <a:noFill/>
+        </p:spPr>
+        <p:txBody>
+          <a:bodyPr wrap="square">
+            <a:spAutoFit/>
+          </a:bodyPr>
+          <a:lstStyle/>
+          <a:p>
+            <a:r>
+              <a:rPr lang="de-DE" dirty="0"/>
+              <a:t>Bild 3</a:t>
+            </a:r>
           </a:p>
         </p:txBody>
       </p:sp>
@@ -5235,7 +5836,7 @@
           <a:p>
             <a:r>
               <a:rPr lang="de-DE" dirty="0"/>
-              <a:t>Programmierung</a:t>
+              <a:t>Programmierung und Hardware </a:t>
             </a:r>
           </a:p>
         </p:txBody>
@@ -5261,7 +5862,37 @@
           <a:bodyPr/>
           <a:lstStyle/>
           <a:p>
-            <a:endParaRPr lang="de-DE"/>
+            <a:r>
+              <a:rPr lang="de-DE" dirty="0"/>
+              <a:t>Versuchsaufbau mit dem Motor HS-311 am Arduino Uno</a:t>
+            </a:r>
+          </a:p>
+          <a:p>
+            <a:r>
+              <a:rPr lang="de-DE" dirty="0"/>
+              <a:t>Versuchsaufbau mit dem Sensor MPU 6050 am Arduino Uno</a:t>
+            </a:r>
+          </a:p>
+          <a:p>
+            <a:r>
+              <a:rPr lang="de-DE" dirty="0"/>
+              <a:t>Erstes Verknüpfen von Motor und Sensor </a:t>
+            </a:r>
+          </a:p>
+          <a:p>
+            <a:r>
+              <a:rPr lang="de-DE" dirty="0"/>
+              <a:t>Weiterentwicklung des Programms </a:t>
+            </a:r>
+          </a:p>
+          <a:p>
+            <a:r>
+              <a:rPr lang="de-DE" dirty="0"/>
+              <a:t>Entwickeln und Verbessern der Hardware durch Arduino Nano</a:t>
+            </a:r>
+          </a:p>
+          <a:p>
+            <a:endParaRPr lang="de-DE" dirty="0"/>
           </a:p>
         </p:txBody>
       </p:sp>
@@ -5329,10 +5960,10 @@
       </p:sp>
       <p:sp>
         <p:nvSpPr>
-          <p:cNvPr id="3" name="Inhaltsplatzhalter 2">
+          <p:cNvPr id="5" name="Inhaltsplatzhalter 4">
             <a:extLst>
               <a:ext uri="{FF2B5EF4-FFF2-40B4-BE49-F238E27FC236}">
-                <a16:creationId xmlns:a16="http://schemas.microsoft.com/office/drawing/2014/main" id="{CED402ED-DDF2-7648-2549-4C5058871F7B}"/>
+                <a16:creationId xmlns:a16="http://schemas.microsoft.com/office/drawing/2014/main" id="{FE9D9C96-C33E-C4A3-45BD-9796FDFA9D95}"/>
               </a:ext>
             </a:extLst>
           </p:cNvPr>
@@ -5348,7 +5979,43 @@
           <a:bodyPr/>
           <a:lstStyle/>
           <a:p>
-            <a:endParaRPr lang="de-DE"/>
+            <a:r>
+              <a:rPr lang="de-DE" dirty="0"/>
+              <a:t>Elektronikfehler, USB-C Codierung </a:t>
+            </a:r>
+          </a:p>
+          <a:p>
+            <a:r>
+              <a:rPr lang="de-DE" dirty="0"/>
+              <a:t>Elektronikfehler, EMV Probleme bei Versorgungsspannung &gt; 5V</a:t>
+            </a:r>
+          </a:p>
+          <a:p>
+            <a:r>
+              <a:rPr lang="de-DE" dirty="0"/>
+              <a:t>Hebelarm kürzen, da nicht Plan</a:t>
+            </a:r>
+          </a:p>
+          <a:p>
+            <a:r>
+              <a:rPr lang="de-DE" dirty="0"/>
+              <a:t>Debugging im Programm</a:t>
+            </a:r>
+          </a:p>
+          <a:p>
+            <a:r>
+              <a:rPr lang="de-DE" dirty="0"/>
+              <a:t>Geräuschentwicklung in der Lagerung </a:t>
+            </a:r>
+          </a:p>
+          <a:p>
+            <a:endParaRPr lang="de-DE" dirty="0"/>
+          </a:p>
+          <a:p>
+            <a:endParaRPr lang="de-DE" dirty="0"/>
+          </a:p>
+          <a:p>
+            <a:endParaRPr lang="de-DE" dirty="0"/>
           </a:p>
         </p:txBody>
       </p:sp>
